--- a/Discussion/Discussion 4/Intro to Python.pptx
+++ b/Discussion/Discussion 4/Intro to Python.pptx
@@ -12,8 +12,8 @@
     <p:sldId id="290" r:id="rId3"/>
     <p:sldId id="291" r:id="rId4"/>
     <p:sldId id="292" r:id="rId5"/>
-    <p:sldId id="293" r:id="rId6"/>
-    <p:sldId id="294" r:id="rId7"/>
+    <p:sldId id="295" r:id="rId6"/>
+    <p:sldId id="293" r:id="rId7"/>
   </p:sldIdLst>
   <p:sldSz cx="12192000" cy="6858000"/>
   <p:notesSz cx="6858000" cy="9144000"/>
@@ -202,7 +202,7 @@
           <a:p>
             <a:fld id="{6F9E08CD-0E7F-E34C-A458-CB034D61676F}" type="datetimeFigureOut">
               <a:rPr lang="en-US" smtClean="0"/>
-              <a:t>9/27/2025</a:t>
+              <a:t>9/28/25</a:t>
             </a:fld>
             <a:endParaRPr lang="en-US"/>
           </a:p>
@@ -885,7 +885,7 @@
         <p:cNvPr id="1" name="">
           <a:extLst>
             <a:ext uri="{FF2B5EF4-FFF2-40B4-BE49-F238E27FC236}">
-              <a16:creationId xmlns:a16="http://schemas.microsoft.com/office/drawing/2014/main" id="{CDBFC5C0-A59F-A5D1-D846-F44FAB149275}"/>
+              <a16:creationId xmlns:a16="http://schemas.microsoft.com/office/drawing/2014/main" id="{8B9050B7-8F00-A753-A6CD-27336C3100EF}"/>
             </a:ext>
           </a:extLst>
         </p:cNvPr>
@@ -905,7 +905,7 @@
           <p:cNvPr id="2" name="Slide Image Placeholder 1">
             <a:extLst>
               <a:ext uri="{FF2B5EF4-FFF2-40B4-BE49-F238E27FC236}">
-                <a16:creationId xmlns:a16="http://schemas.microsoft.com/office/drawing/2014/main" id="{3A0E7B61-F03B-7908-3610-8BD69FB61870}"/>
+                <a16:creationId xmlns:a16="http://schemas.microsoft.com/office/drawing/2014/main" id="{8754379A-FF7A-6F84-283B-FD9AB1109DDB}"/>
               </a:ext>
             </a:extLst>
           </p:cNvPr>
@@ -923,7 +923,7 @@
           <p:cNvPr id="3" name="Notes Placeholder 2">
             <a:extLst>
               <a:ext uri="{FF2B5EF4-FFF2-40B4-BE49-F238E27FC236}">
-                <a16:creationId xmlns:a16="http://schemas.microsoft.com/office/drawing/2014/main" id="{8779007F-9728-932A-7508-1A0F100BEA61}"/>
+                <a16:creationId xmlns:a16="http://schemas.microsoft.com/office/drawing/2014/main" id="{D1E7082E-FC6E-7202-CC26-E1A2EBC0E1B1}"/>
               </a:ext>
             </a:extLst>
           </p:cNvPr>
@@ -948,7 +948,7 @@
           <p:cNvPr id="4" name="Slide Number Placeholder 3">
             <a:extLst>
               <a:ext uri="{FF2B5EF4-FFF2-40B4-BE49-F238E27FC236}">
-                <a16:creationId xmlns:a16="http://schemas.microsoft.com/office/drawing/2014/main" id="{508A5184-E922-ECC2-AA55-7A16D4515208}"/>
+                <a16:creationId xmlns:a16="http://schemas.microsoft.com/office/drawing/2014/main" id="{5F194407-5345-2C76-EA92-70B95635AD1C}"/>
               </a:ext>
             </a:extLst>
           </p:cNvPr>
@@ -975,7 +975,7 @@
     </p:spTree>
     <p:extLst>
       <p:ext uri="{BB962C8B-B14F-4D97-AF65-F5344CB8AC3E}">
-        <p14:creationId xmlns:p14="http://schemas.microsoft.com/office/powerpoint/2010/main" val="2622679207"/>
+        <p14:creationId xmlns:p14="http://schemas.microsoft.com/office/powerpoint/2010/main" val="960878776"/>
       </p:ext>
     </p:extLst>
   </p:cSld>
@@ -993,7 +993,7 @@
         <p:cNvPr id="1" name="">
           <a:extLst>
             <a:ext uri="{FF2B5EF4-FFF2-40B4-BE49-F238E27FC236}">
-              <a16:creationId xmlns:a16="http://schemas.microsoft.com/office/drawing/2014/main" id="{D2BFCBDF-E4AF-FB61-FCA3-72C2BD3C8CB6}"/>
+              <a16:creationId xmlns:a16="http://schemas.microsoft.com/office/drawing/2014/main" id="{CDBFC5C0-A59F-A5D1-D846-F44FAB149275}"/>
             </a:ext>
           </a:extLst>
         </p:cNvPr>
@@ -1013,7 +1013,7 @@
           <p:cNvPr id="2" name="Slide Image Placeholder 1">
             <a:extLst>
               <a:ext uri="{FF2B5EF4-FFF2-40B4-BE49-F238E27FC236}">
-                <a16:creationId xmlns:a16="http://schemas.microsoft.com/office/drawing/2014/main" id="{79B471B6-2108-7BA4-5DEB-0BA42C3D3E13}"/>
+                <a16:creationId xmlns:a16="http://schemas.microsoft.com/office/drawing/2014/main" id="{3A0E7B61-F03B-7908-3610-8BD69FB61870}"/>
               </a:ext>
             </a:extLst>
           </p:cNvPr>
@@ -1031,7 +1031,7 @@
           <p:cNvPr id="3" name="Notes Placeholder 2">
             <a:extLst>
               <a:ext uri="{FF2B5EF4-FFF2-40B4-BE49-F238E27FC236}">
-                <a16:creationId xmlns:a16="http://schemas.microsoft.com/office/drawing/2014/main" id="{8F6C458B-9C32-1D63-67BC-C650785F3F91}"/>
+                <a16:creationId xmlns:a16="http://schemas.microsoft.com/office/drawing/2014/main" id="{8779007F-9728-932A-7508-1A0F100BEA61}"/>
               </a:ext>
             </a:extLst>
           </p:cNvPr>
@@ -1056,7 +1056,7 @@
           <p:cNvPr id="4" name="Slide Number Placeholder 3">
             <a:extLst>
               <a:ext uri="{FF2B5EF4-FFF2-40B4-BE49-F238E27FC236}">
-                <a16:creationId xmlns:a16="http://schemas.microsoft.com/office/drawing/2014/main" id="{61857095-230F-9405-7F77-DAA023823489}"/>
+                <a16:creationId xmlns:a16="http://schemas.microsoft.com/office/drawing/2014/main" id="{508A5184-E922-ECC2-AA55-7A16D4515208}"/>
               </a:ext>
             </a:extLst>
           </p:cNvPr>
@@ -1083,7 +1083,7 @@
     </p:spTree>
     <p:extLst>
       <p:ext uri="{BB962C8B-B14F-4D97-AF65-F5344CB8AC3E}">
-        <p14:creationId xmlns:p14="http://schemas.microsoft.com/office/powerpoint/2010/main" val="3411239445"/>
+        <p14:creationId xmlns:p14="http://schemas.microsoft.com/office/powerpoint/2010/main" val="2622679207"/>
       </p:ext>
     </p:extLst>
   </p:cSld>
@@ -1240,7 +1240,7 @@
           <a:p>
             <a:fld id="{27D68EB0-B574-2741-A066-93BAAFE2513E}" type="datetime1">
               <a:rPr lang="en-US" smtClean="0"/>
-              <a:t>9/27/2025</a:t>
+              <a:t>9/28/25</a:t>
             </a:fld>
             <a:endParaRPr lang="en-US"/>
           </a:p>
@@ -1441,7 +1441,7 @@
           <a:p>
             <a:fld id="{895AA03A-23D8-EB42-98D5-B9152EF1E3EC}" type="datetime1">
               <a:rPr lang="en-US" smtClean="0"/>
-              <a:t>9/27/2025</a:t>
+              <a:t>9/28/25</a:t>
             </a:fld>
             <a:endParaRPr lang="en-US"/>
           </a:p>
@@ -1652,7 +1652,7 @@
           <a:p>
             <a:fld id="{ADC1261A-86B5-5E49-A506-CCA2DF4781BE}" type="datetime1">
               <a:rPr lang="en-US" smtClean="0"/>
-              <a:t>9/27/2025</a:t>
+              <a:t>9/28/25</a:t>
             </a:fld>
             <a:endParaRPr lang="en-US"/>
           </a:p>
@@ -1853,7 +1853,7 @@
           <a:p>
             <a:fld id="{299BFF69-BDE5-7F40-9B4C-18E9BE658903}" type="datetime1">
               <a:rPr lang="en-US" smtClean="0"/>
-              <a:t>9/27/2025</a:t>
+              <a:t>9/28/25</a:t>
             </a:fld>
             <a:endParaRPr lang="en-US"/>
           </a:p>
@@ -2131,7 +2131,7 @@
           <a:p>
             <a:fld id="{F73E99CE-6922-0841-AE3C-9C8F1ECDD2C3}" type="datetime1">
               <a:rPr lang="en-US" smtClean="0"/>
-              <a:t>9/27/2025</a:t>
+              <a:t>9/28/25</a:t>
             </a:fld>
             <a:endParaRPr lang="en-US"/>
           </a:p>
@@ -2399,7 +2399,7 @@
           <a:p>
             <a:fld id="{3E14464B-CD0E-8C4D-9CFA-7F21F72D7D38}" type="datetime1">
               <a:rPr lang="en-US" smtClean="0"/>
-              <a:t>9/27/2025</a:t>
+              <a:t>9/28/25</a:t>
             </a:fld>
             <a:endParaRPr lang="en-US"/>
           </a:p>
@@ -2814,7 +2814,7 @@
           <a:p>
             <a:fld id="{5EBAAFEA-634B-554A-BB43-160B8454632E}" type="datetime1">
               <a:rPr lang="en-US" smtClean="0"/>
-              <a:t>9/27/2025</a:t>
+              <a:t>9/28/25</a:t>
             </a:fld>
             <a:endParaRPr lang="en-US"/>
           </a:p>
@@ -2958,7 +2958,7 @@
           <a:p>
             <a:fld id="{1145D88C-8105-3341-8A9F-9E7DCA3943D7}" type="datetime1">
               <a:rPr lang="en-US" smtClean="0"/>
-              <a:t>9/27/2025</a:t>
+              <a:t>9/28/25</a:t>
             </a:fld>
             <a:endParaRPr lang="en-US"/>
           </a:p>
@@ -3074,7 +3074,7 @@
           <a:p>
             <a:fld id="{F0E3CAB6-8C36-7A49-A6C9-F96D0293BECA}" type="datetime1">
               <a:rPr lang="en-US" smtClean="0"/>
-              <a:t>9/27/2025</a:t>
+              <a:t>9/28/25</a:t>
             </a:fld>
             <a:endParaRPr lang="en-US"/>
           </a:p>
@@ -3388,7 +3388,7 @@
           <a:p>
             <a:fld id="{743C883A-2230-3242-87CD-A6CF7C481D2C}" type="datetime1">
               <a:rPr lang="en-US" smtClean="0"/>
-              <a:t>9/27/2025</a:t>
+              <a:t>9/28/25</a:t>
             </a:fld>
             <a:endParaRPr lang="en-US"/>
           </a:p>
@@ -3679,7 +3679,7 @@
           <a:p>
             <a:fld id="{4233BF82-C3EA-F443-943F-6DB05484970D}" type="datetime1">
               <a:rPr lang="en-US" smtClean="0"/>
-              <a:t>9/27/2025</a:t>
+              <a:t>9/28/25</a:t>
             </a:fld>
             <a:endParaRPr lang="en-US"/>
           </a:p>
@@ -3923,7 +3923,7 @@
           <a:p>
             <a:fld id="{30C8B27A-FDE1-A743-BC19-19B5045BF750}" type="datetime1">
               <a:rPr lang="en-US" smtClean="0"/>
-              <a:t>9/27/2025</a:t>
+              <a:t>9/28/25</a:t>
             </a:fld>
             <a:endParaRPr lang="en-US"/>
           </a:p>
@@ -6337,8 +6337,8 @@
         </p:nvSpPr>
         <p:spPr>
           <a:xfrm>
-            <a:off x="201505" y="1095997"/>
-            <a:ext cx="11754061" cy="369332"/>
+            <a:off x="201506" y="1095997"/>
+            <a:ext cx="5736840" cy="369332"/>
           </a:xfrm>
           <a:prstGeom prst="rect">
             <a:avLst/>
@@ -6357,7 +6357,7 @@
                 <a:ea typeface="Verdana" panose="020B0604030504040204" pitchFamily="34" charset="0"/>
                 <a:cs typeface="Arima Koshi" pitchFamily="2" charset="77"/>
               </a:rPr>
-              <a:t>Python comes with the following data structures:</a:t>
+              <a:t>Useful Python data structures</a:t>
             </a:r>
           </a:p>
         </p:txBody>
@@ -6376,13 +6376,20 @@
         </p:nvSpPr>
         <p:spPr>
           <a:xfrm>
-            <a:off x="201505" y="1496570"/>
-            <a:ext cx="5996095" cy="3046988"/>
+            <a:off x="201506" y="1496570"/>
+            <a:ext cx="11822426" cy="3970318"/>
           </a:xfrm>
           <a:prstGeom prst="rect">
             <a:avLst/>
           </a:prstGeom>
-          <a:noFill/>
+          <a:solidFill>
+            <a:srgbClr val="FBE5D6">
+              <a:alpha val="50196"/>
+            </a:srgbClr>
+          </a:solidFill>
+          <a:ln>
+            <a:noFill/>
+          </a:ln>
         </p:spPr>
         <p:txBody>
           <a:bodyPr wrap="square">
@@ -6391,325 +6398,162 @@
           <a:lstStyle/>
           <a:p>
             <a:r>
-              <a:rPr lang="en-US" sz="1600" b="0" i="0" dirty="0">
+              <a:rPr lang="en-US" b="0" i="0" dirty="0">
                 <a:effectLst/>
-                <a:latin typeface="Monospac821 BT" panose="020B0609020202020204" pitchFamily="49" charset="0"/>
-              </a:rPr>
-              <a:t># Numeric types </a:t>
-            </a:r>
-          </a:p>
-          <a:p>
-            <a:r>
-              <a:rPr lang="en-US" sz="1600" b="0" i="0" dirty="0" err="1">
+                <a:latin typeface="Consolas" panose="020B0609020204030204" pitchFamily="49" charset="0"/>
+                <a:cs typeface="Consolas" panose="020B0609020204030204" pitchFamily="49" charset="0"/>
+              </a:rPr>
+              <a:t># Numeric types</a:t>
+            </a:r>
+          </a:p>
+          <a:p>
+            <a:r>
+              <a:rPr lang="en-US" b="0" i="0" dirty="0">
                 <a:effectLst/>
-                <a:latin typeface="Monospac821 BT" panose="020B0609020202020204" pitchFamily="49" charset="0"/>
+                <a:latin typeface="Consolas" panose="020B0609020204030204" pitchFamily="49" charset="0"/>
+                <a:cs typeface="Consolas" panose="020B0609020204030204" pitchFamily="49" charset="0"/>
+              </a:rPr>
+              <a:t> </a:t>
+            </a:r>
+          </a:p>
+          <a:p>
+            <a:r>
+              <a:rPr lang="en-US" b="0" i="0" dirty="0" err="1">
+                <a:effectLst/>
+                <a:latin typeface="Consolas" panose="020B0609020204030204" pitchFamily="49" charset="0"/>
+                <a:cs typeface="Consolas" panose="020B0609020204030204" pitchFamily="49" charset="0"/>
               </a:rPr>
               <a:t>int_var</a:t>
             </a:r>
             <a:r>
-              <a:rPr lang="en-US" sz="1600" b="0" i="0" dirty="0">
+              <a:rPr lang="en-US" b="0" i="0" dirty="0">
                 <a:effectLst/>
-                <a:latin typeface="Monospac821 BT" panose="020B0609020202020204" pitchFamily="49" charset="0"/>
-              </a:rPr>
-              <a:t> = 10 # integer </a:t>
-            </a:r>
-          </a:p>
-          <a:p>
-            <a:r>
-              <a:rPr lang="en-US" sz="1600" b="0" i="0" dirty="0" err="1">
+                <a:latin typeface="Consolas" panose="020B0609020204030204" pitchFamily="49" charset="0"/>
+                <a:cs typeface="Consolas" panose="020B0609020204030204" pitchFamily="49" charset="0"/>
+              </a:rPr>
+              <a:t> = 10       # integer </a:t>
+            </a:r>
+          </a:p>
+          <a:p>
+            <a:r>
+              <a:rPr lang="en-US" b="0" i="0" dirty="0" err="1">
                 <a:effectLst/>
-                <a:latin typeface="Monospac821 BT" panose="020B0609020202020204" pitchFamily="49" charset="0"/>
+                <a:latin typeface="Consolas" panose="020B0609020204030204" pitchFamily="49" charset="0"/>
+                <a:cs typeface="Consolas" panose="020B0609020204030204" pitchFamily="49" charset="0"/>
               </a:rPr>
               <a:t>float_var</a:t>
             </a:r>
             <a:r>
-              <a:rPr lang="en-US" sz="1600" b="0" i="0" dirty="0">
+              <a:rPr lang="en-US" b="0" i="0" dirty="0">
                 <a:effectLst/>
-                <a:latin typeface="Monospac821 BT" panose="020B0609020202020204" pitchFamily="49" charset="0"/>
-              </a:rPr>
-              <a:t> = 3.14 # floating-point number</a:t>
-            </a:r>
-          </a:p>
-          <a:p>
-            <a:r>
-              <a:rPr lang="en-US" sz="1600" b="0" i="0" dirty="0" err="1">
+                <a:latin typeface="Consolas" panose="020B0609020204030204" pitchFamily="49" charset="0"/>
+                <a:cs typeface="Consolas" panose="020B0609020204030204" pitchFamily="49" charset="0"/>
+              </a:rPr>
+              <a:t> = 3.14   # floating-point number</a:t>
+            </a:r>
+          </a:p>
+          <a:p>
+            <a:endParaRPr lang="en-US" dirty="0">
+              <a:latin typeface="Consolas" panose="020B0609020204030204" pitchFamily="49" charset="0"/>
+              <a:cs typeface="Consolas" panose="020B0609020204030204" pitchFamily="49" charset="0"/>
+            </a:endParaRPr>
+          </a:p>
+          <a:p>
+            <a:r>
+              <a:rPr lang="en-US" b="0" i="0" dirty="0">
                 <a:effectLst/>
-                <a:latin typeface="Monospac821 BT" panose="020B0609020202020204" pitchFamily="49" charset="0"/>
-              </a:rPr>
-              <a:t>complex_var</a:t>
-            </a:r>
-            <a:r>
-              <a:rPr lang="en-US" sz="1600" b="0" i="0" dirty="0">
+                <a:latin typeface="Consolas" panose="020B0609020204030204" pitchFamily="49" charset="0"/>
+                <a:cs typeface="Consolas" panose="020B0609020204030204" pitchFamily="49" charset="0"/>
+              </a:rPr>
+              <a:t># Sequence types </a:t>
+            </a:r>
+          </a:p>
+          <a:p>
+            <a:r>
+              <a:rPr lang="en-US" b="0" i="0" dirty="0" err="1">
                 <a:effectLst/>
-                <a:latin typeface="Monospac821 BT" panose="020B0609020202020204" pitchFamily="49" charset="0"/>
-              </a:rPr>
-              <a:t> = 2 + 3j # complex number </a:t>
-            </a:r>
-          </a:p>
-          <a:p>
-            <a:endParaRPr lang="en-US" sz="1600" dirty="0">
-              <a:latin typeface="Monospac821 BT" panose="020B0609020202020204" pitchFamily="49" charset="0"/>
+                <a:latin typeface="Consolas" panose="020B0609020204030204" pitchFamily="49" charset="0"/>
+                <a:cs typeface="Consolas" panose="020B0609020204030204" pitchFamily="49" charset="0"/>
+              </a:rPr>
+              <a:t>list_var</a:t>
+            </a:r>
+            <a:r>
+              <a:rPr lang="en-US" b="0" i="0" dirty="0">
+                <a:effectLst/>
+                <a:latin typeface="Consolas" panose="020B0609020204030204" pitchFamily="49" charset="0"/>
+                <a:cs typeface="Consolas" panose="020B0609020204030204" pitchFamily="49" charset="0"/>
+              </a:rPr>
+              <a:t> = [1, 2, 3] # list (mutable) </a:t>
+            </a:r>
+          </a:p>
+          <a:p>
+            <a:r>
+              <a:rPr lang="en-US" b="0" i="0" dirty="0" err="1">
+                <a:effectLst/>
+                <a:latin typeface="Consolas" panose="020B0609020204030204" pitchFamily="49" charset="0"/>
+                <a:cs typeface="Consolas" panose="020B0609020204030204" pitchFamily="49" charset="0"/>
+              </a:rPr>
+              <a:t>range_var</a:t>
+            </a:r>
+            <a:r>
+              <a:rPr lang="en-US" b="0" i="0" dirty="0">
+                <a:effectLst/>
+                <a:latin typeface="Consolas" panose="020B0609020204030204" pitchFamily="49" charset="0"/>
+                <a:cs typeface="Consolas" panose="020B0609020204030204" pitchFamily="49" charset="0"/>
+              </a:rPr>
+              <a:t> = range(5) # range object </a:t>
+            </a:r>
+          </a:p>
+          <a:p>
+            <a:endParaRPr lang="en-US" dirty="0">
+              <a:latin typeface="Consolas" panose="020B0609020204030204" pitchFamily="49" charset="0"/>
+              <a:cs typeface="Consolas" panose="020B0609020204030204" pitchFamily="49" charset="0"/>
             </a:endParaRPr>
           </a:p>
           <a:p>
             <a:r>
-              <a:rPr lang="en-US" sz="1600" b="0" i="0" dirty="0">
+              <a:rPr lang="en-US" b="0" i="0" dirty="0">
                 <a:effectLst/>
-                <a:latin typeface="Monospac821 BT" panose="020B0609020202020204" pitchFamily="49" charset="0"/>
-              </a:rPr>
-              <a:t># Sequence types </a:t>
-            </a:r>
-          </a:p>
-          <a:p>
-            <a:r>
-              <a:rPr lang="en-US" sz="1600" b="0" i="0" dirty="0" err="1">
+                <a:latin typeface="Consolas" panose="020B0609020204030204" pitchFamily="49" charset="0"/>
+                <a:cs typeface="Consolas" panose="020B0609020204030204" pitchFamily="49" charset="0"/>
+              </a:rPr>
+              <a:t># Text type </a:t>
+            </a:r>
+          </a:p>
+          <a:p>
+            <a:r>
+              <a:rPr lang="en-US" b="0" i="0" dirty="0" err="1">
                 <a:effectLst/>
-                <a:latin typeface="Monospac821 BT" panose="020B0609020202020204" pitchFamily="49" charset="0"/>
-              </a:rPr>
-              <a:t>list_var</a:t>
-            </a:r>
-            <a:r>
-              <a:rPr lang="en-US" sz="1600" b="0" i="0" dirty="0">
+                <a:latin typeface="Consolas" panose="020B0609020204030204" pitchFamily="49" charset="0"/>
+                <a:cs typeface="Consolas" panose="020B0609020204030204" pitchFamily="49" charset="0"/>
+              </a:rPr>
+              <a:t>str_var</a:t>
+            </a:r>
+            <a:r>
+              <a:rPr lang="en-US" b="0" i="0" dirty="0">
                 <a:effectLst/>
-                <a:latin typeface="Monospac821 BT" panose="020B0609020202020204" pitchFamily="49" charset="0"/>
-              </a:rPr>
-              <a:t> = [1, 2, 3] # list (mutable) </a:t>
-            </a:r>
-          </a:p>
-          <a:p>
-            <a:r>
-              <a:rPr lang="en-US" sz="1600" b="0" i="0" dirty="0" err="1">
-                <a:effectLst/>
-                <a:latin typeface="Monospac821 BT" panose="020B0609020202020204" pitchFamily="49" charset="0"/>
-              </a:rPr>
-              <a:t>tuple_var</a:t>
-            </a:r>
-            <a:r>
-              <a:rPr lang="en-US" sz="1600" b="0" i="0" dirty="0">
-                <a:effectLst/>
-                <a:latin typeface="Monospac821 BT" panose="020B0609020202020204" pitchFamily="49" charset="0"/>
-              </a:rPr>
-              <a:t> = (1, 2, 3) # tuple (immutable) </a:t>
-            </a:r>
-          </a:p>
-          <a:p>
-            <a:r>
-              <a:rPr lang="en-US" sz="1600" b="0" i="0" dirty="0" err="1">
-                <a:effectLst/>
-                <a:latin typeface="Monospac821 BT" panose="020B0609020202020204" pitchFamily="49" charset="0"/>
-              </a:rPr>
-              <a:t>range_var</a:t>
-            </a:r>
-            <a:r>
-              <a:rPr lang="en-US" sz="1600" b="0" i="0" dirty="0">
-                <a:effectLst/>
-                <a:latin typeface="Monospac821 BT" panose="020B0609020202020204" pitchFamily="49" charset="0"/>
-              </a:rPr>
-              <a:t> = range(5) # range object </a:t>
-            </a:r>
-          </a:p>
-          <a:p>
-            <a:endParaRPr lang="en-US" sz="1600" dirty="0">
-              <a:latin typeface="Monospac821 BT" panose="020B0609020202020204" pitchFamily="49" charset="0"/>
+                <a:latin typeface="Consolas" panose="020B0609020204030204" pitchFamily="49" charset="0"/>
+                <a:cs typeface="Consolas" panose="020B0609020204030204" pitchFamily="49" charset="0"/>
+              </a:rPr>
+              <a:t> = "Hello, Python" # string </a:t>
+            </a:r>
+          </a:p>
+          <a:p>
+            <a:endParaRPr lang="en-US" dirty="0">
+              <a:latin typeface="Consolas" panose="020B0609020204030204" pitchFamily="49" charset="0"/>
+              <a:cs typeface="Consolas" panose="020B0609020204030204" pitchFamily="49" charset="0"/>
             </a:endParaRPr>
           </a:p>
           <a:p>
-            <a:r>
-              <a:rPr lang="en-US" sz="1600" b="0" i="0" dirty="0">
-                <a:effectLst/>
-                <a:latin typeface="Monospac821 BT" panose="020B0609020202020204" pitchFamily="49" charset="0"/>
-              </a:rPr>
-              <a:t># Text type </a:t>
-            </a:r>
-            <a:r>
-              <a:rPr lang="en-US" sz="1600" b="0" i="0" dirty="0" err="1">
-                <a:effectLst/>
-                <a:latin typeface="Monospac821 BT" panose="020B0609020202020204" pitchFamily="49" charset="0"/>
-              </a:rPr>
-              <a:t>str_var</a:t>
-            </a:r>
-            <a:r>
-              <a:rPr lang="en-US" sz="1600" b="0" i="0" dirty="0">
-                <a:effectLst/>
-                <a:latin typeface="Monospac821 BT" panose="020B0609020202020204" pitchFamily="49" charset="0"/>
-              </a:rPr>
-              <a:t> = "Hello, Python" # string </a:t>
-            </a:r>
-          </a:p>
-          <a:p>
-            <a:endParaRPr lang="en-US" sz="1600" dirty="0">
-              <a:latin typeface="Monospac821 BT" panose="020B0609020202020204" pitchFamily="49" charset="0"/>
+            <a:endParaRPr lang="en-US" dirty="0">
+              <a:latin typeface="Consolas" panose="020B0609020204030204" pitchFamily="49" charset="0"/>
+              <a:cs typeface="Consolas" panose="020B0609020204030204" pitchFamily="49" charset="0"/>
             </a:endParaRPr>
           </a:p>
-        </p:txBody>
-      </p:sp>
-      <p:sp>
-        <p:nvSpPr>
-          <p:cNvPr id="10" name="TextBox 9">
-            <a:extLst>
-              <a:ext uri="{FF2B5EF4-FFF2-40B4-BE49-F238E27FC236}">
-                <a16:creationId xmlns:a16="http://schemas.microsoft.com/office/drawing/2014/main" id="{93232945-710B-4114-6ABF-2BB38FE8D2F3}"/>
-              </a:ext>
-            </a:extLst>
-          </p:cNvPr>
-          <p:cNvSpPr txBox="1"/>
-          <p:nvPr/>
-        </p:nvSpPr>
-        <p:spPr>
-          <a:xfrm>
-            <a:off x="6078535" y="1453485"/>
-            <a:ext cx="6096000" cy="3046988"/>
-          </a:xfrm>
-          <a:prstGeom prst="rect">
-            <a:avLst/>
-          </a:prstGeom>
-          <a:noFill/>
-        </p:spPr>
-        <p:txBody>
-          <a:bodyPr wrap="square">
-            <a:spAutoFit/>
-          </a:bodyPr>
-          <a:lstStyle/>
-          <a:p>
-            <a:r>
-              <a:rPr lang="en-US" sz="1600" b="0" i="0" dirty="0">
-                <a:effectLst/>
-                <a:latin typeface="Monospac821 BT" panose="020B0609020202020204" pitchFamily="49" charset="0"/>
-              </a:rPr>
-              <a:t># Set types </a:t>
-            </a:r>
-            <a:r>
-              <a:rPr lang="en-US" sz="1600" b="0" i="0" dirty="0" err="1">
-                <a:effectLst/>
-                <a:latin typeface="Monospac821 BT" panose="020B0609020202020204" pitchFamily="49" charset="0"/>
-              </a:rPr>
-              <a:t>set_var</a:t>
-            </a:r>
-            <a:r>
-              <a:rPr lang="en-US" sz="1600" b="0" i="0" dirty="0">
-                <a:effectLst/>
-                <a:latin typeface="Monospac821 BT" panose="020B0609020202020204" pitchFamily="49" charset="0"/>
-              </a:rPr>
-              <a:t> = {1, 2, 3} # set (unique unordered) </a:t>
-            </a:r>
-          </a:p>
-          <a:p>
-            <a:r>
-              <a:rPr lang="en-US" sz="1600" b="0" i="0" dirty="0" err="1">
-                <a:effectLst/>
-                <a:latin typeface="Monospac821 BT" panose="020B0609020202020204" pitchFamily="49" charset="0"/>
-              </a:rPr>
-              <a:t>frozenset_var</a:t>
-            </a:r>
-            <a:r>
-              <a:rPr lang="en-US" sz="1600" b="0" i="0" dirty="0">
-                <a:effectLst/>
-                <a:latin typeface="Monospac821 BT" panose="020B0609020202020204" pitchFamily="49" charset="0"/>
-              </a:rPr>
-              <a:t> = </a:t>
-            </a:r>
-            <a:r>
-              <a:rPr lang="en-US" sz="1600" b="0" i="0" dirty="0" err="1">
-                <a:effectLst/>
-                <a:latin typeface="Monospac821 BT" panose="020B0609020202020204" pitchFamily="49" charset="0"/>
-              </a:rPr>
-              <a:t>frozenset</a:t>
-            </a:r>
-            <a:r>
-              <a:rPr lang="en-US" sz="1600" b="0" i="0" dirty="0">
-                <a:effectLst/>
-                <a:latin typeface="Monospac821 BT" panose="020B0609020202020204" pitchFamily="49" charset="0"/>
-              </a:rPr>
-              <a:t>([1, 2, 3]) # immutable set </a:t>
-            </a:r>
-          </a:p>
-          <a:p>
-            <a:endParaRPr lang="en-US" sz="1600" dirty="0">
-              <a:latin typeface="Monospac821 BT" panose="020B0609020202020204" pitchFamily="49" charset="0"/>
-            </a:endParaRPr>
-          </a:p>
-          <a:p>
-            <a:r>
-              <a:rPr lang="en-US" sz="1600" b="0" i="0" dirty="0">
-                <a:effectLst/>
-                <a:latin typeface="Monospac821 BT" panose="020B0609020202020204" pitchFamily="49" charset="0"/>
-              </a:rPr>
-              <a:t># Mapping type </a:t>
-            </a:r>
-          </a:p>
-          <a:p>
-            <a:r>
-              <a:rPr lang="en-US" sz="1600" b="0" i="0" dirty="0" err="1">
-                <a:effectLst/>
-                <a:latin typeface="Monospac821 BT" panose="020B0609020202020204" pitchFamily="49" charset="0"/>
-              </a:rPr>
-              <a:t>dict_var</a:t>
-            </a:r>
-            <a:r>
-              <a:rPr lang="en-US" sz="1600" b="0" i="0" dirty="0">
-                <a:effectLst/>
-                <a:latin typeface="Monospac821 BT" panose="020B0609020202020204" pitchFamily="49" charset="0"/>
-              </a:rPr>
-              <a:t> = {"a": 1, "b": 2} # dictionary (key-value pairs) </a:t>
-            </a:r>
-          </a:p>
-          <a:p>
-            <a:endParaRPr lang="en-US" sz="1600" dirty="0">
-              <a:latin typeface="Monospac821 BT" panose="020B0609020202020204" pitchFamily="49" charset="0"/>
-            </a:endParaRPr>
-          </a:p>
-          <a:p>
-            <a:r>
-              <a:rPr lang="en-US" sz="1600" b="0" i="0" dirty="0">
-                <a:effectLst/>
-                <a:latin typeface="Monospac821 BT" panose="020B0609020202020204" pitchFamily="49" charset="0"/>
-              </a:rPr>
-              <a:t># Boolean </a:t>
-            </a:r>
-            <a:r>
-              <a:rPr lang="en-US" sz="1600" b="0" i="0" dirty="0" err="1">
-                <a:effectLst/>
-                <a:latin typeface="Monospac821 BT" panose="020B0609020202020204" pitchFamily="49" charset="0"/>
-              </a:rPr>
-              <a:t>bool_var</a:t>
-            </a:r>
-            <a:r>
-              <a:rPr lang="en-US" sz="1600" b="0" i="0" dirty="0">
-                <a:effectLst/>
-                <a:latin typeface="Monospac821 BT" panose="020B0609020202020204" pitchFamily="49" charset="0"/>
-              </a:rPr>
-              <a:t> = True # True or False </a:t>
-            </a:r>
-          </a:p>
-          <a:p>
-            <a:endParaRPr lang="en-US" sz="1600" dirty="0">
-              <a:latin typeface="Monospac821 BT" panose="020B0609020202020204" pitchFamily="49" charset="0"/>
-            </a:endParaRPr>
-          </a:p>
-          <a:p>
-            <a:r>
-              <a:rPr lang="en-US" sz="1600" b="0" i="0" dirty="0">
-                <a:effectLst/>
-                <a:latin typeface="Monospac821 BT" panose="020B0609020202020204" pitchFamily="49" charset="0"/>
-              </a:rPr>
-              <a:t># None type </a:t>
-            </a:r>
-            <a:r>
-              <a:rPr lang="en-US" sz="1600" b="0" i="0" dirty="0" err="1">
-                <a:effectLst/>
-                <a:latin typeface="Monospac821 BT" panose="020B0609020202020204" pitchFamily="49" charset="0"/>
-              </a:rPr>
-              <a:t>none_var</a:t>
-            </a:r>
-            <a:r>
-              <a:rPr lang="en-US" sz="1600" b="0" i="0" dirty="0">
-                <a:effectLst/>
-                <a:latin typeface="Monospac821 BT" panose="020B0609020202020204" pitchFamily="49" charset="0"/>
-              </a:rPr>
-              <a:t> = None # null equivalent</a:t>
-            </a:r>
-            <a:endParaRPr lang="en-US" sz="1600" dirty="0">
-              <a:latin typeface="Monospac821 BT" panose="020B0609020202020204" pitchFamily="49" charset="0"/>
+          <a:p>
+            <a:endParaRPr lang="en-US" dirty="0">
+              <a:latin typeface="Consolas" panose="020B0609020204030204" pitchFamily="49" charset="0"/>
+              <a:cs typeface="Consolas" panose="020B0609020204030204" pitchFamily="49" charset="0"/>
             </a:endParaRPr>
           </a:p>
         </p:txBody>
@@ -6735,7 +6579,7 @@
         <p:cNvPr id="1" name="">
           <a:extLst>
             <a:ext uri="{FF2B5EF4-FFF2-40B4-BE49-F238E27FC236}">
-              <a16:creationId xmlns:a16="http://schemas.microsoft.com/office/drawing/2014/main" id="{6F092211-CB47-29F1-0AB3-A02FAC8C94BC}"/>
+              <a16:creationId xmlns:a16="http://schemas.microsoft.com/office/drawing/2014/main" id="{F07CEB58-3397-D747-B4DA-A6B772D60033}"/>
             </a:ext>
           </a:extLst>
         </p:cNvPr>
@@ -6755,7 +6599,7 @@
           <p:cNvPr id="8" name="Rectangle 7">
             <a:extLst>
               <a:ext uri="{FF2B5EF4-FFF2-40B4-BE49-F238E27FC236}">
-                <a16:creationId xmlns:a16="http://schemas.microsoft.com/office/drawing/2014/main" id="{235261E7-D2FA-075B-C023-6D2866160E43}"/>
+                <a16:creationId xmlns:a16="http://schemas.microsoft.com/office/drawing/2014/main" id="{C4FFDEA8-19B3-004A-7A65-AD1CE651FA06}"/>
               </a:ext>
             </a:extLst>
           </p:cNvPr>
@@ -6807,7 +6651,7 @@
           <p:cNvPr id="12" name="Slide Number Placeholder 11">
             <a:extLst>
               <a:ext uri="{FF2B5EF4-FFF2-40B4-BE49-F238E27FC236}">
-                <a16:creationId xmlns:a16="http://schemas.microsoft.com/office/drawing/2014/main" id="{8CA4B04A-FB86-2410-A449-7892B964B305}"/>
+                <a16:creationId xmlns:a16="http://schemas.microsoft.com/office/drawing/2014/main" id="{2203CE8B-0578-CBF0-6C40-C6739ADC7B78}"/>
               </a:ext>
             </a:extLst>
           </p:cNvPr>
@@ -6850,7 +6694,7 @@
           <p:cNvPr id="4" name="Footer Placeholder 6">
             <a:extLst>
               <a:ext uri="{FF2B5EF4-FFF2-40B4-BE49-F238E27FC236}">
-                <a16:creationId xmlns:a16="http://schemas.microsoft.com/office/drawing/2014/main" id="{58334154-0048-725D-3C8F-A23F5453D95B}"/>
+                <a16:creationId xmlns:a16="http://schemas.microsoft.com/office/drawing/2014/main" id="{ECE60A00-40A3-F1E7-645E-A9755AB71233}"/>
               </a:ext>
             </a:extLst>
           </p:cNvPr>
@@ -6888,7 +6732,7 @@
           <p:cNvPr id="6" name="TextBox 5">
             <a:extLst>
               <a:ext uri="{FF2B5EF4-FFF2-40B4-BE49-F238E27FC236}">
-                <a16:creationId xmlns:a16="http://schemas.microsoft.com/office/drawing/2014/main" id="{FB9F4C4A-66D2-E443-97CD-75E2A714722C}"/>
+                <a16:creationId xmlns:a16="http://schemas.microsoft.com/office/drawing/2014/main" id="{57428F94-0696-A3E8-D00E-5469A2560DEA}"/>
               </a:ext>
             </a:extLst>
           </p:cNvPr>
@@ -6930,7 +6774,7 @@
           <p:cNvPr id="2" name="Picture 1">
             <a:extLst>
               <a:ext uri="{FF2B5EF4-FFF2-40B4-BE49-F238E27FC236}">
-                <a16:creationId xmlns:a16="http://schemas.microsoft.com/office/drawing/2014/main" id="{D3693689-587A-B97D-5F66-91EAF68E2FD4}"/>
+                <a16:creationId xmlns:a16="http://schemas.microsoft.com/office/drawing/2014/main" id="{EFAA2D49-E591-D8D7-B740-1B73717A052B}"/>
               </a:ext>
             </a:extLst>
           </p:cNvPr>
@@ -6959,6 +6803,588 @@
           <p:cNvPr id="5" name="TextBox 4">
             <a:extLst>
               <a:ext uri="{FF2B5EF4-FFF2-40B4-BE49-F238E27FC236}">
+                <a16:creationId xmlns:a16="http://schemas.microsoft.com/office/drawing/2014/main" id="{FAFF284F-C43C-0337-AED2-0C03048C664F}"/>
+              </a:ext>
+            </a:extLst>
+          </p:cNvPr>
+          <p:cNvSpPr txBox="1"/>
+          <p:nvPr/>
+        </p:nvSpPr>
+        <p:spPr>
+          <a:xfrm>
+            <a:off x="201505" y="689537"/>
+            <a:ext cx="11822427" cy="400110"/>
+          </a:xfrm>
+          <a:prstGeom prst="rect">
+            <a:avLst/>
+          </a:prstGeom>
+          <a:noFill/>
+        </p:spPr>
+        <p:txBody>
+          <a:bodyPr wrap="square" rtlCol="0">
+            <a:spAutoFit/>
+          </a:bodyPr>
+          <a:lstStyle/>
+          <a:p>
+            <a:r>
+              <a:rPr lang="en-US" sz="2000" dirty="0">
+                <a:solidFill>
+                  <a:srgbClr val="002476"/>
+                </a:solidFill>
+                <a:latin typeface="Aptos" panose="020B0004020202020204" pitchFamily="34" charset="0"/>
+                <a:ea typeface="Verdana" panose="020B0604030504040204" pitchFamily="34" charset="0"/>
+                <a:cs typeface="Arima Koshi" pitchFamily="2" charset="77"/>
+              </a:rPr>
+              <a:t>Basic data structures</a:t>
+            </a:r>
+            <a:endParaRPr lang="en-US" sz="2800" dirty="0">
+              <a:solidFill>
+                <a:srgbClr val="002476"/>
+              </a:solidFill>
+              <a:latin typeface="Aptos" panose="020B0004020202020204" pitchFamily="34" charset="0"/>
+              <a:ea typeface="Verdana" panose="020B0604030504040204" pitchFamily="34" charset="0"/>
+              <a:cs typeface="Arima Koshi" pitchFamily="2" charset="77"/>
+            </a:endParaRPr>
+          </a:p>
+        </p:txBody>
+      </p:sp>
+      <p:sp>
+        <p:nvSpPr>
+          <p:cNvPr id="3" name="TextBox 2">
+            <a:extLst>
+              <a:ext uri="{FF2B5EF4-FFF2-40B4-BE49-F238E27FC236}">
+                <a16:creationId xmlns:a16="http://schemas.microsoft.com/office/drawing/2014/main" id="{65C06822-1E50-461A-ABC7-535D02D7C156}"/>
+              </a:ext>
+            </a:extLst>
+          </p:cNvPr>
+          <p:cNvSpPr txBox="1"/>
+          <p:nvPr/>
+        </p:nvSpPr>
+        <p:spPr>
+          <a:xfrm>
+            <a:off x="201505" y="1089647"/>
+            <a:ext cx="5736840" cy="369332"/>
+          </a:xfrm>
+          <a:prstGeom prst="rect">
+            <a:avLst/>
+          </a:prstGeom>
+          <a:noFill/>
+        </p:spPr>
+        <p:txBody>
+          <a:bodyPr wrap="square" rtlCol="0">
+            <a:spAutoFit/>
+          </a:bodyPr>
+          <a:lstStyle/>
+          <a:p>
+            <a:r>
+              <a:rPr lang="en-US" dirty="0">
+                <a:latin typeface="Aptos" panose="020B0004020202020204" pitchFamily="34" charset="0"/>
+                <a:ea typeface="Verdana" panose="020B0604030504040204" pitchFamily="34" charset="0"/>
+                <a:cs typeface="Arima Koshi" pitchFamily="2" charset="77"/>
+              </a:rPr>
+              <a:t>Useful </a:t>
+            </a:r>
+            <a:r>
+              <a:rPr lang="en-US" dirty="0" err="1">
+                <a:latin typeface="Aptos" panose="020B0004020202020204" pitchFamily="34" charset="0"/>
+                <a:ea typeface="Verdana" panose="020B0604030504040204" pitchFamily="34" charset="0"/>
+                <a:cs typeface="Arima Koshi" pitchFamily="2" charset="77"/>
+              </a:rPr>
+              <a:t>numpy</a:t>
+            </a:r>
+            <a:r>
+              <a:rPr lang="en-US" dirty="0">
+                <a:latin typeface="Aptos" panose="020B0004020202020204" pitchFamily="34" charset="0"/>
+                <a:ea typeface="Verdana" panose="020B0604030504040204" pitchFamily="34" charset="0"/>
+                <a:cs typeface="Arima Koshi" pitchFamily="2" charset="77"/>
+              </a:rPr>
+              <a:t> data structures</a:t>
+            </a:r>
+          </a:p>
+        </p:txBody>
+      </p:sp>
+      <p:sp>
+        <p:nvSpPr>
+          <p:cNvPr id="9" name="TextBox 8">
+            <a:extLst>
+              <a:ext uri="{FF2B5EF4-FFF2-40B4-BE49-F238E27FC236}">
+                <a16:creationId xmlns:a16="http://schemas.microsoft.com/office/drawing/2014/main" id="{C8302B9B-BE42-2C55-0E89-3BFD7DCE56A8}"/>
+              </a:ext>
+            </a:extLst>
+          </p:cNvPr>
+          <p:cNvSpPr txBox="1"/>
+          <p:nvPr/>
+        </p:nvSpPr>
+        <p:spPr>
+          <a:xfrm>
+            <a:off x="201505" y="1498954"/>
+            <a:ext cx="11822427" cy="3693319"/>
+          </a:xfrm>
+          <a:prstGeom prst="rect">
+            <a:avLst/>
+          </a:prstGeom>
+          <a:solidFill>
+            <a:srgbClr val="FBE5D6">
+              <a:alpha val="50196"/>
+            </a:srgbClr>
+          </a:solidFill>
+        </p:spPr>
+        <p:txBody>
+          <a:bodyPr wrap="square">
+            <a:spAutoFit/>
+          </a:bodyPr>
+          <a:lstStyle/>
+          <a:p>
+            <a:r>
+              <a:rPr lang="en-US" b="0" i="0" dirty="0">
+                <a:effectLst/>
+                <a:latin typeface="Consolas" panose="020B0609020204030204" pitchFamily="49" charset="0"/>
+                <a:cs typeface="Consolas" panose="020B0609020204030204" pitchFamily="49" charset="0"/>
+              </a:rPr>
+              <a:t># Arrays (vectors and matrices)</a:t>
+            </a:r>
+          </a:p>
+          <a:p>
+            <a:endParaRPr lang="en-US" dirty="0">
+              <a:latin typeface="Consolas" panose="020B0609020204030204" pitchFamily="49" charset="0"/>
+              <a:cs typeface="Consolas" panose="020B0609020204030204" pitchFamily="49" charset="0"/>
+            </a:endParaRPr>
+          </a:p>
+          <a:p>
+            <a:r>
+              <a:rPr lang="en-US" dirty="0" err="1">
+                <a:latin typeface="Consolas" panose="020B0609020204030204" pitchFamily="49" charset="0"/>
+                <a:cs typeface="Consolas" panose="020B0609020204030204" pitchFamily="49" charset="0"/>
+              </a:rPr>
+              <a:t>myvec</a:t>
+            </a:r>
+            <a:r>
+              <a:rPr lang="en-US" dirty="0">
+                <a:latin typeface="Consolas" panose="020B0609020204030204" pitchFamily="49" charset="0"/>
+                <a:cs typeface="Consolas" panose="020B0609020204030204" pitchFamily="49" charset="0"/>
+              </a:rPr>
+              <a:t> = </a:t>
+            </a:r>
+            <a:r>
+              <a:rPr lang="en-US" dirty="0" err="1">
+                <a:latin typeface="Consolas" panose="020B0609020204030204" pitchFamily="49" charset="0"/>
+                <a:cs typeface="Consolas" panose="020B0609020204030204" pitchFamily="49" charset="0"/>
+              </a:rPr>
+              <a:t>np.array</a:t>
+            </a:r>
+            <a:r>
+              <a:rPr lang="en-US" dirty="0">
+                <a:latin typeface="Consolas" panose="020B0609020204030204" pitchFamily="49" charset="0"/>
+                <a:cs typeface="Consolas" panose="020B0609020204030204" pitchFamily="49" charset="0"/>
+              </a:rPr>
+              <a:t>([1, 2, 3])   # vector that contains values 1, 2 and 3</a:t>
+            </a:r>
+          </a:p>
+          <a:p>
+            <a:r>
+              <a:rPr lang="en-US" dirty="0" err="1">
+                <a:latin typeface="Consolas" panose="020B0609020204030204" pitchFamily="49" charset="0"/>
+                <a:cs typeface="Consolas" panose="020B0609020204030204" pitchFamily="49" charset="0"/>
+              </a:rPr>
+              <a:t>vec</a:t>
+            </a:r>
+            <a:r>
+              <a:rPr lang="en-US" dirty="0">
+                <a:latin typeface="Consolas" panose="020B0609020204030204" pitchFamily="49" charset="0"/>
+                <a:cs typeface="Consolas" panose="020B0609020204030204" pitchFamily="49" charset="0"/>
+              </a:rPr>
+              <a:t> = </a:t>
+            </a:r>
+            <a:r>
+              <a:rPr lang="en-US" dirty="0" err="1">
+                <a:latin typeface="Consolas" panose="020B0609020204030204" pitchFamily="49" charset="0"/>
+                <a:cs typeface="Consolas" panose="020B0609020204030204" pitchFamily="49" charset="0"/>
+              </a:rPr>
+              <a:t>np.arange</a:t>
+            </a:r>
+            <a:r>
+              <a:rPr lang="en-US" dirty="0">
+                <a:latin typeface="Consolas" panose="020B0609020204030204" pitchFamily="49" charset="0"/>
+                <a:cs typeface="Consolas" panose="020B0609020204030204" pitchFamily="49" charset="0"/>
+              </a:rPr>
+              <a:t>(0, 1, 0.1)    # vector [0, 0.1, 0.2, 0.3, …, 0.9]</a:t>
+            </a:r>
+          </a:p>
+          <a:p>
+            <a:endParaRPr lang="en-US" dirty="0">
+              <a:latin typeface="Consolas" panose="020B0609020204030204" pitchFamily="49" charset="0"/>
+              <a:cs typeface="Consolas" panose="020B0609020204030204" pitchFamily="49" charset="0"/>
+            </a:endParaRPr>
+          </a:p>
+          <a:p>
+            <a:r>
+              <a:rPr lang="en-US" dirty="0" err="1">
+                <a:latin typeface="Consolas" panose="020B0609020204030204" pitchFamily="49" charset="0"/>
+                <a:cs typeface="Consolas" panose="020B0609020204030204" pitchFamily="49" charset="0"/>
+              </a:rPr>
+              <a:t>scvec</a:t>
+            </a:r>
+            <a:r>
+              <a:rPr lang="en-US" dirty="0">
+                <a:latin typeface="Consolas" panose="020B0609020204030204" pitchFamily="49" charset="0"/>
+                <a:cs typeface="Consolas" panose="020B0609020204030204" pitchFamily="49" charset="0"/>
+              </a:rPr>
+              <a:t> = 2.0 * </a:t>
+            </a:r>
+            <a:r>
+              <a:rPr lang="en-US" dirty="0" err="1">
+                <a:latin typeface="Consolas" panose="020B0609020204030204" pitchFamily="49" charset="0"/>
+                <a:cs typeface="Consolas" panose="020B0609020204030204" pitchFamily="49" charset="0"/>
+              </a:rPr>
+              <a:t>vec</a:t>
+            </a:r>
+            <a:r>
+              <a:rPr lang="en-US" dirty="0">
+                <a:latin typeface="Consolas" panose="020B0609020204030204" pitchFamily="49" charset="0"/>
+                <a:cs typeface="Consolas" panose="020B0609020204030204" pitchFamily="49" charset="0"/>
+              </a:rPr>
+              <a:t>             # vector [0, 0.2, 0.4, …, 1.8]</a:t>
+            </a:r>
+          </a:p>
+          <a:p>
+            <a:endParaRPr lang="en-US" dirty="0">
+              <a:latin typeface="Consolas" panose="020B0609020204030204" pitchFamily="49" charset="0"/>
+              <a:cs typeface="Consolas" panose="020B0609020204030204" pitchFamily="49" charset="0"/>
+            </a:endParaRPr>
+          </a:p>
+          <a:p>
+            <a:r>
+              <a:rPr lang="en-US" dirty="0">
+                <a:latin typeface="Consolas" panose="020B0609020204030204" pitchFamily="49" charset="0"/>
+                <a:cs typeface="Consolas" panose="020B0609020204030204" pitchFamily="49" charset="0"/>
+              </a:rPr>
+              <a:t>Matrix = </a:t>
+            </a:r>
+            <a:r>
+              <a:rPr lang="en-US" dirty="0" err="1">
+                <a:latin typeface="Consolas" panose="020B0609020204030204" pitchFamily="49" charset="0"/>
+                <a:cs typeface="Consolas" panose="020B0609020204030204" pitchFamily="49" charset="0"/>
+              </a:rPr>
+              <a:t>np.array</a:t>
+            </a:r>
+            <a:r>
+              <a:rPr lang="en-US" dirty="0">
+                <a:latin typeface="Consolas" panose="020B0609020204030204" pitchFamily="49" charset="0"/>
+                <a:cs typeface="Consolas" panose="020B0609020204030204" pitchFamily="49" charset="0"/>
+              </a:rPr>
+              <a:t>([</a:t>
+            </a:r>
+          </a:p>
+          <a:p>
+            <a:r>
+              <a:rPr lang="en-US" dirty="0">
+                <a:latin typeface="Consolas" panose="020B0609020204030204" pitchFamily="49" charset="0"/>
+                <a:cs typeface="Consolas" panose="020B0609020204030204" pitchFamily="49" charset="0"/>
+              </a:rPr>
+              <a:t>	[2, -1]</a:t>
+            </a:r>
+          </a:p>
+          <a:p>
+            <a:r>
+              <a:rPr lang="en-US" dirty="0">
+                <a:latin typeface="Consolas" panose="020B0609020204030204" pitchFamily="49" charset="0"/>
+                <a:cs typeface="Consolas" panose="020B0609020204030204" pitchFamily="49" charset="0"/>
+              </a:rPr>
+              <a:t>	[-1, 1]</a:t>
+            </a:r>
+          </a:p>
+          <a:p>
+            <a:r>
+              <a:rPr lang="en-US" dirty="0">
+                <a:latin typeface="Consolas" panose="020B0609020204030204" pitchFamily="49" charset="0"/>
+                <a:cs typeface="Consolas" panose="020B0609020204030204" pitchFamily="49" charset="0"/>
+              </a:rPr>
+              <a:t>])</a:t>
+            </a:r>
+          </a:p>
+          <a:p>
+            <a:endParaRPr lang="en-US" dirty="0">
+              <a:latin typeface="Consolas" panose="020B0609020204030204" pitchFamily="49" charset="0"/>
+              <a:cs typeface="Consolas" panose="020B0609020204030204" pitchFamily="49" charset="0"/>
+            </a:endParaRPr>
+          </a:p>
+          <a:p>
+            <a:r>
+              <a:rPr lang="en-US" dirty="0" err="1">
+                <a:latin typeface="Consolas" panose="020B0609020204030204" pitchFamily="49" charset="0"/>
+                <a:cs typeface="Consolas" panose="020B0609020204030204" pitchFamily="49" charset="0"/>
+              </a:rPr>
+              <a:t>Matmul</a:t>
+            </a:r>
+            <a:r>
+              <a:rPr lang="en-US" dirty="0">
+                <a:latin typeface="Consolas" panose="020B0609020204030204" pitchFamily="49" charset="0"/>
+                <a:cs typeface="Consolas" panose="020B0609020204030204" pitchFamily="49" charset="0"/>
+              </a:rPr>
+              <a:t> = Matrix @ </a:t>
+            </a:r>
+            <a:r>
+              <a:rPr lang="en-US" dirty="0" err="1">
+                <a:latin typeface="Consolas" panose="020B0609020204030204" pitchFamily="49" charset="0"/>
+                <a:cs typeface="Consolas" panose="020B0609020204030204" pitchFamily="49" charset="0"/>
+              </a:rPr>
+              <a:t>np.array</a:t>
+            </a:r>
+            <a:r>
+              <a:rPr lang="en-US" dirty="0">
+                <a:latin typeface="Consolas" panose="020B0609020204030204" pitchFamily="49" charset="0"/>
+                <a:cs typeface="Consolas" panose="020B0609020204030204" pitchFamily="49" charset="0"/>
+              </a:rPr>
+              <a:t>([1,2])   # Matrix product</a:t>
+            </a:r>
+          </a:p>
+        </p:txBody>
+      </p:sp>
+    </p:spTree>
+    <p:extLst>
+      <p:ext uri="{BB962C8B-B14F-4D97-AF65-F5344CB8AC3E}">
+        <p14:creationId xmlns:p14="http://schemas.microsoft.com/office/powerpoint/2010/main" val="833745648"/>
+      </p:ext>
+    </p:extLst>
+  </p:cSld>
+  <p:clrMapOvr>
+    <a:masterClrMapping/>
+  </p:clrMapOvr>
+</p:sld>
+</file>
+
+<file path=ppt/slides/slide6.xml><?xml version="1.0" encoding="utf-8"?>
+<p:sld xmlns:a="http://schemas.openxmlformats.org/drawingml/2006/main" xmlns:r="http://schemas.openxmlformats.org/officeDocument/2006/relationships" xmlns:p="http://schemas.openxmlformats.org/presentationml/2006/main">
+  <p:cSld>
+    <p:spTree>
+      <p:nvGrpSpPr>
+        <p:cNvPr id="1" name="">
+          <a:extLst>
+            <a:ext uri="{FF2B5EF4-FFF2-40B4-BE49-F238E27FC236}">
+              <a16:creationId xmlns:a16="http://schemas.microsoft.com/office/drawing/2014/main" id="{6F092211-CB47-29F1-0AB3-A02FAC8C94BC}"/>
+            </a:ext>
+          </a:extLst>
+        </p:cNvPr>
+        <p:cNvGrpSpPr/>
+        <p:nvPr/>
+      </p:nvGrpSpPr>
+      <p:grpSpPr>
+        <a:xfrm>
+          <a:off x="0" y="0"/>
+          <a:ext cx="0" cy="0"/>
+          <a:chOff x="0" y="0"/>
+          <a:chExt cx="0" cy="0"/>
+        </a:xfrm>
+      </p:grpSpPr>
+      <p:sp>
+        <p:nvSpPr>
+          <p:cNvPr id="8" name="Rectangle 7">
+            <a:extLst>
+              <a:ext uri="{FF2B5EF4-FFF2-40B4-BE49-F238E27FC236}">
+                <a16:creationId xmlns:a16="http://schemas.microsoft.com/office/drawing/2014/main" id="{235261E7-D2FA-075B-C023-6D2866160E43}"/>
+              </a:ext>
+            </a:extLst>
+          </p:cNvPr>
+          <p:cNvSpPr/>
+          <p:nvPr/>
+        </p:nvSpPr>
+        <p:spPr>
+          <a:xfrm>
+            <a:off x="0" y="6167718"/>
+            <a:ext cx="12192000" cy="690282"/>
+          </a:xfrm>
+          <a:prstGeom prst="rect">
+            <a:avLst/>
+          </a:prstGeom>
+          <a:solidFill>
+            <a:srgbClr val="002576"/>
+          </a:solidFill>
+          <a:ln>
+            <a:noFill/>
+          </a:ln>
+        </p:spPr>
+        <p:style>
+          <a:lnRef idx="2">
+            <a:schemeClr val="accent1">
+              <a:shade val="50000"/>
+            </a:schemeClr>
+          </a:lnRef>
+          <a:fillRef idx="1">
+            <a:schemeClr val="accent1"/>
+          </a:fillRef>
+          <a:effectRef idx="0">
+            <a:schemeClr val="accent1"/>
+          </a:effectRef>
+          <a:fontRef idx="minor">
+            <a:schemeClr val="lt1"/>
+          </a:fontRef>
+        </p:style>
+        <p:txBody>
+          <a:bodyPr rtlCol="0" anchor="ctr"/>
+          <a:lstStyle/>
+          <a:p>
+            <a:pPr algn="ctr"/>
+            <a:endParaRPr lang="en-US"/>
+          </a:p>
+        </p:txBody>
+      </p:sp>
+      <p:sp>
+        <p:nvSpPr>
+          <p:cNvPr id="12" name="Slide Number Placeholder 11">
+            <a:extLst>
+              <a:ext uri="{FF2B5EF4-FFF2-40B4-BE49-F238E27FC236}">
+                <a16:creationId xmlns:a16="http://schemas.microsoft.com/office/drawing/2014/main" id="{8CA4B04A-FB86-2410-A449-7892B964B305}"/>
+              </a:ext>
+            </a:extLst>
+          </p:cNvPr>
+          <p:cNvSpPr>
+            <a:spLocks noGrp="1"/>
+          </p:cNvSpPr>
+          <p:nvPr>
+            <p:ph type="sldNum" sz="quarter" idx="12"/>
+          </p:nvPr>
+        </p:nvSpPr>
+        <p:spPr/>
+        <p:txBody>
+          <a:bodyPr/>
+          <a:lstStyle/>
+          <a:p>
+            <a:fld id="{DE9038DE-E562-D147-AB1B-655D48BC2E74}" type="slidenum">
+              <a:rPr lang="en-US" smtClean="0">
+                <a:solidFill>
+                  <a:schemeClr val="bg1">
+                    <a:lumMod val="95000"/>
+                  </a:schemeClr>
+                </a:solidFill>
+                <a:latin typeface="Aptos" panose="020B0004020202020204" pitchFamily="34" charset="0"/>
+              </a:rPr>
+              <a:t>6</a:t>
+            </a:fld>
+            <a:endParaRPr lang="en-US" dirty="0">
+              <a:solidFill>
+                <a:schemeClr val="bg1">
+                  <a:lumMod val="95000"/>
+                </a:schemeClr>
+              </a:solidFill>
+              <a:latin typeface="Aptos" panose="020B0004020202020204" pitchFamily="34" charset="0"/>
+            </a:endParaRPr>
+          </a:p>
+        </p:txBody>
+      </p:sp>
+      <p:sp>
+        <p:nvSpPr>
+          <p:cNvPr id="4" name="Footer Placeholder 6">
+            <a:extLst>
+              <a:ext uri="{FF2B5EF4-FFF2-40B4-BE49-F238E27FC236}">
+                <a16:creationId xmlns:a16="http://schemas.microsoft.com/office/drawing/2014/main" id="{58334154-0048-725D-3C8F-A23F5453D95B}"/>
+              </a:ext>
+            </a:extLst>
+          </p:cNvPr>
+          <p:cNvSpPr>
+            <a:spLocks noGrp="1"/>
+          </p:cNvSpPr>
+          <p:nvPr>
+            <p:ph type="ftr" sz="quarter" idx="11"/>
+          </p:nvPr>
+        </p:nvSpPr>
+        <p:spPr>
+          <a:xfrm>
+            <a:off x="3251201" y="6350000"/>
+            <a:ext cx="5689598" cy="365125"/>
+          </a:xfrm>
+        </p:spPr>
+        <p:txBody>
+          <a:bodyPr/>
+          <a:lstStyle/>
+          <a:p>
+            <a:r>
+              <a:rPr lang="en-US" sz="1400" dirty="0">
+                <a:solidFill>
+                  <a:schemeClr val="bg1"/>
+                </a:solidFill>
+                <a:latin typeface="Aptos" panose="020B0004020202020204" pitchFamily="34" charset="0"/>
+              </a:rPr>
+              <a:t>Introduction to Python for Structural Dynamics</a:t>
+            </a:r>
+          </a:p>
+        </p:txBody>
+      </p:sp>
+      <p:sp>
+        <p:nvSpPr>
+          <p:cNvPr id="6" name="TextBox 5">
+            <a:extLst>
+              <a:ext uri="{FF2B5EF4-FFF2-40B4-BE49-F238E27FC236}">
+                <a16:creationId xmlns:a16="http://schemas.microsoft.com/office/drawing/2014/main" id="{FB9F4C4A-66D2-E443-97CD-75E2A714722C}"/>
+              </a:ext>
+            </a:extLst>
+          </p:cNvPr>
+          <p:cNvSpPr txBox="1"/>
+          <p:nvPr/>
+        </p:nvSpPr>
+        <p:spPr>
+          <a:xfrm>
+            <a:off x="201505" y="159967"/>
+            <a:ext cx="11822427" cy="523220"/>
+          </a:xfrm>
+          <a:prstGeom prst="rect">
+            <a:avLst/>
+          </a:prstGeom>
+          <a:noFill/>
+        </p:spPr>
+        <p:txBody>
+          <a:bodyPr wrap="square" rtlCol="0">
+            <a:spAutoFit/>
+          </a:bodyPr>
+          <a:lstStyle/>
+          <a:p>
+            <a:r>
+              <a:rPr lang="en-US" sz="2800" dirty="0">
+                <a:solidFill>
+                  <a:srgbClr val="002476"/>
+                </a:solidFill>
+                <a:latin typeface="Aptos" panose="020B0004020202020204" pitchFamily="34" charset="0"/>
+                <a:ea typeface="Verdana" panose="020B0604030504040204" pitchFamily="34" charset="0"/>
+                <a:cs typeface="Arima Koshi" pitchFamily="2" charset="77"/>
+              </a:rPr>
+              <a:t>Introduction to python</a:t>
+            </a:r>
+          </a:p>
+        </p:txBody>
+      </p:sp>
+      <p:pic>
+        <p:nvPicPr>
+          <p:cNvPr id="2" name="Picture 1">
+            <a:extLst>
+              <a:ext uri="{FF2B5EF4-FFF2-40B4-BE49-F238E27FC236}">
+                <a16:creationId xmlns:a16="http://schemas.microsoft.com/office/drawing/2014/main" id="{D3693689-587A-B97D-5F66-91EAF68E2FD4}"/>
+              </a:ext>
+            </a:extLst>
+          </p:cNvPr>
+          <p:cNvPicPr>
+            <a:picLocks noChangeAspect="1"/>
+          </p:cNvPicPr>
+          <p:nvPr/>
+        </p:nvPicPr>
+        <p:blipFill>
+          <a:blip r:embed="rId3"/>
+          <a:srcRect l="14467" t="35652" r="13946" b="38221"/>
+          <a:stretch/>
+        </p:blipFill>
+        <p:spPr>
+          <a:xfrm>
+            <a:off x="398058" y="6285821"/>
+            <a:ext cx="1982656" cy="462637"/>
+          </a:xfrm>
+          <a:prstGeom prst="rect">
+            <a:avLst/>
+          </a:prstGeom>
+        </p:spPr>
+      </p:pic>
+      <p:sp>
+        <p:nvSpPr>
+          <p:cNvPr id="5" name="TextBox 4">
+            <a:extLst>
+              <a:ext uri="{FF2B5EF4-FFF2-40B4-BE49-F238E27FC236}">
                 <a16:creationId xmlns:a16="http://schemas.microsoft.com/office/drawing/2014/main" id="{A7114BDA-2AD1-2F88-5D8B-348044C74808}"/>
               </a:ext>
             </a:extLst>
@@ -7021,7 +7447,7 @@
             <p:spPr>
               <a:xfrm>
                 <a:off x="201505" y="1095997"/>
-                <a:ext cx="11754061" cy="1268681"/>
+                <a:ext cx="11754061" cy="646331"/>
               </a:xfrm>
               <a:prstGeom prst="rect">
                 <a:avLst/>
@@ -7044,6 +7470,7 @@
                 </a:r>
               </a:p>
               <a:p>
+                <a:pPr/>
                 <a14:m>
                   <m:oMathPara xmlns:m="http://schemas.openxmlformats.org/officeDocument/2006/math">
                     <m:oMathParaPr>
@@ -7075,7 +7502,7 @@
                               <a:ea typeface="Verdana" panose="020B0604030504040204" pitchFamily="34" charset="0"/>
                               <a:cs typeface="Arima Koshi" pitchFamily="2" charset="77"/>
                             </a:rPr>
-                            <m:t>𝑡</m:t>
+                            <m:t>𝑥</m:t>
                           </m:r>
                         </m:e>
                       </m:d>
@@ -7087,8 +7514,8 @@
                         </a:rPr>
                         <m:t>=</m:t>
                       </m:r>
-                      <m:func>
-                        <m:funcPr>
+                      <m:sSup>
+                        <m:sSupPr>
                           <m:ctrlPr>
                             <a:rPr lang="en-US" b="0" i="1" smtClean="0">
                               <a:latin typeface="Cambria Math" panose="02040503050406030204" pitchFamily="18" charset="0"/>
@@ -7096,159 +7523,30 @@
                               <a:cs typeface="Arima Koshi" pitchFamily="2" charset="77"/>
                             </a:rPr>
                           </m:ctrlPr>
-                        </m:funcPr>
-                        <m:fName>
+                        </m:sSupPr>
+                        <m:e>
                           <m:r>
                             <a:rPr lang="en-US" b="0" i="1" smtClean="0">
                               <a:latin typeface="Cambria Math" panose="02040503050406030204" pitchFamily="18" charset="0"/>
                               <a:ea typeface="Verdana" panose="020B0604030504040204" pitchFamily="34" charset="0"/>
                               <a:cs typeface="Arima Koshi" pitchFamily="2" charset="77"/>
                             </a:rPr>
-                            <m:t>𝐴</m:t>
+                            <m:t>𝑥</m:t>
                           </m:r>
+                        </m:e>
+                        <m:sup>
                           <m:r>
                             <a:rPr lang="en-US" b="0" i="1" smtClean="0">
                               <a:latin typeface="Cambria Math" panose="02040503050406030204" pitchFamily="18" charset="0"/>
                               <a:ea typeface="Verdana" panose="020B0604030504040204" pitchFamily="34" charset="0"/>
                               <a:cs typeface="Arima Koshi" pitchFamily="2" charset="77"/>
                             </a:rPr>
-                            <m:t> </m:t>
+                            <m:t>2</m:t>
                           </m:r>
-                          <m:r>
-                            <m:rPr>
-                              <m:sty m:val="p"/>
-                            </m:rPr>
-                            <a:rPr lang="en-US" b="0" i="0" smtClean="0">
-                              <a:latin typeface="Cambria Math" panose="02040503050406030204" pitchFamily="18" charset="0"/>
-                              <a:ea typeface="Verdana" panose="020B0604030504040204" pitchFamily="34" charset="0"/>
-                              <a:cs typeface="Arima Koshi" pitchFamily="2" charset="77"/>
-                            </a:rPr>
-                            <m:t>sin</m:t>
-                          </m:r>
-                        </m:fName>
-                        <m:e>
-                          <m:d>
-                            <m:dPr>
-                              <m:ctrlPr>
-                                <a:rPr lang="en-US" b="0" i="1" smtClean="0">
-                                  <a:latin typeface="Cambria Math" panose="02040503050406030204" pitchFamily="18" charset="0"/>
-                                  <a:ea typeface="Verdana" panose="020B0604030504040204" pitchFamily="34" charset="0"/>
-                                </a:rPr>
-                              </m:ctrlPr>
-                            </m:dPr>
-                            <m:e>
-                              <m:f>
-                                <m:fPr>
-                                  <m:ctrlPr>
-                                    <a:rPr lang="en-US" b="0" i="1" smtClean="0">
-                                      <a:latin typeface="Cambria Math" panose="02040503050406030204" pitchFamily="18" charset="0"/>
-                                      <a:ea typeface="Verdana" panose="020B0604030504040204" pitchFamily="34" charset="0"/>
-                                    </a:rPr>
-                                  </m:ctrlPr>
-                                </m:fPr>
-                                <m:num>
-                                  <m:r>
-                                    <a:rPr lang="en-US" b="0" i="1" smtClean="0">
-                                      <a:latin typeface="Cambria Math" panose="02040503050406030204" pitchFamily="18" charset="0"/>
-                                      <a:ea typeface="Verdana" panose="020B0604030504040204" pitchFamily="34" charset="0"/>
-                                    </a:rPr>
-                                    <m:t>2</m:t>
-                                  </m:r>
-                                  <m:r>
-                                    <a:rPr lang="en-US" b="0" i="1" smtClean="0">
-                                      <a:latin typeface="Cambria Math" panose="02040503050406030204" pitchFamily="18" charset="0"/>
-                                      <a:ea typeface="Verdana" panose="020B0604030504040204" pitchFamily="34" charset="0"/>
-                                    </a:rPr>
-                                    <m:t>𝜋</m:t>
-                                  </m:r>
-                                </m:num>
-                                <m:den>
-                                  <m:r>
-                                    <a:rPr lang="en-US" b="0" i="1" smtClean="0">
-                                      <a:latin typeface="Cambria Math" panose="02040503050406030204" pitchFamily="18" charset="0"/>
-                                      <a:ea typeface="Verdana" panose="020B0604030504040204" pitchFamily="34" charset="0"/>
-                                    </a:rPr>
-                                    <m:t>𝑇</m:t>
-                                  </m:r>
-                                </m:den>
-                              </m:f>
-                              <m:r>
-                                <a:rPr lang="en-US" b="0" i="1" smtClean="0">
-                                  <a:latin typeface="Cambria Math" panose="02040503050406030204" pitchFamily="18" charset="0"/>
-                                  <a:ea typeface="Verdana" panose="020B0604030504040204" pitchFamily="34" charset="0"/>
-                                  <a:cs typeface="Arima Koshi" pitchFamily="2" charset="77"/>
-                                </a:rPr>
-                                <m:t>𝑡</m:t>
-                              </m:r>
-                            </m:e>
-                          </m:d>
-                        </m:e>
-                      </m:func>
+                        </m:sup>
+                      </m:sSup>
                     </m:oMath>
                   </m:oMathPara>
-                </a14:m>
-                <a:endParaRPr lang="en-US" dirty="0">
-                  <a:latin typeface="Aptos" panose="020B0004020202020204" pitchFamily="34" charset="0"/>
-                  <a:ea typeface="Verdana" panose="020B0604030504040204" pitchFamily="34" charset="0"/>
-                  <a:cs typeface="Arima Koshi" pitchFamily="2" charset="77"/>
-                </a:endParaRPr>
-              </a:p>
-              <a:p>
-                <a:r>
-                  <a:rPr lang="en-US" dirty="0">
-                    <a:latin typeface="Aptos" panose="020B0004020202020204" pitchFamily="34" charset="0"/>
-                    <a:ea typeface="Verdana" panose="020B0604030504040204" pitchFamily="34" charset="0"/>
-                    <a:cs typeface="Arima Koshi" pitchFamily="2" charset="77"/>
-                  </a:rPr>
-                  <a:t>Data: </a:t>
-                </a:r>
-                <a14:m>
-                  <m:oMath xmlns:m="http://schemas.openxmlformats.org/officeDocument/2006/math">
-                    <m:r>
-                      <a:rPr lang="en-US" b="0" i="1" smtClean="0">
-                        <a:latin typeface="Cambria Math" panose="02040503050406030204" pitchFamily="18" charset="0"/>
-                        <a:ea typeface="Verdana" panose="020B0604030504040204" pitchFamily="34" charset="0"/>
-                        <a:cs typeface="Arima Koshi" pitchFamily="2" charset="77"/>
-                      </a:rPr>
-                      <m:t>𝑇</m:t>
-                    </m:r>
-                    <m:r>
-                      <a:rPr lang="en-US" b="0" i="1" smtClean="0">
-                        <a:latin typeface="Cambria Math" panose="02040503050406030204" pitchFamily="18" charset="0"/>
-                        <a:ea typeface="Verdana" panose="020B0604030504040204" pitchFamily="34" charset="0"/>
-                        <a:cs typeface="Arima Koshi" pitchFamily="2" charset="77"/>
-                      </a:rPr>
-                      <m:t>=0.5</m:t>
-                    </m:r>
-                  </m:oMath>
-                </a14:m>
-                <a:r>
-                  <a:rPr lang="en-US" dirty="0">
-                    <a:latin typeface="Aptos" panose="020B0004020202020204" pitchFamily="34" charset="0"/>
-                    <a:ea typeface="Verdana" panose="020B0604030504040204" pitchFamily="34" charset="0"/>
-                    <a:cs typeface="Arima Koshi" pitchFamily="2" charset="77"/>
-                  </a:rPr>
-                  <a:t>, </a:t>
-                </a:r>
-                <a14:m>
-                  <m:oMath xmlns:m="http://schemas.openxmlformats.org/officeDocument/2006/math">
-                    <m:r>
-                      <a:rPr lang="en-US" b="0" i="1" smtClean="0">
-                        <a:latin typeface="Cambria Math" panose="02040503050406030204" pitchFamily="18" charset="0"/>
-                        <a:ea typeface="Verdana" panose="020B0604030504040204" pitchFamily="34" charset="0"/>
-                        <a:cs typeface="Arima Koshi" pitchFamily="2" charset="77"/>
-                      </a:rPr>
-                      <m:t>𝑡</m:t>
-                    </m:r>
-                    <m:r>
-                      <a:rPr lang="en-US" b="0" i="1" smtClean="0">
-                        <a:latin typeface="Cambria Math" panose="02040503050406030204" pitchFamily="18" charset="0"/>
-                        <a:ea typeface="Verdana" panose="020B0604030504040204" pitchFamily="34" charset="0"/>
-                        <a:cs typeface="Arima Koshi" pitchFamily="2" charset="77"/>
-                      </a:rPr>
-                      <m:t>∈[0, 5]</m:t>
-                    </m:r>
-                  </m:oMath>
                 </a14:m>
                 <a:endParaRPr lang="en-US" dirty="0">
                   <a:latin typeface="Aptos" panose="020B0004020202020204" pitchFamily="34" charset="0"/>
@@ -7277,7 +7575,7 @@
             <p:spPr>
               <a:xfrm>
                 <a:off x="201505" y="1095997"/>
-                <a:ext cx="11754061" cy="1268681"/>
+                <a:ext cx="11754061" cy="646331"/>
               </a:xfrm>
               <a:prstGeom prst="rect">
                 <a:avLst/>
@@ -7285,7 +7583,7 @@
               <a:blipFill>
                 <a:blip r:embed="rId4"/>
                 <a:stretch>
-                  <a:fillRect l="-415" t="-2404" b="-7212"/>
+                  <a:fillRect l="-324" t="-3846" b="-5769"/>
                 </a:stretch>
               </a:blipFill>
             </p:spPr>
@@ -7308,351 +7606,6 @@
     <p:extLst>
       <p:ext uri="{BB962C8B-B14F-4D97-AF65-F5344CB8AC3E}">
         <p14:creationId xmlns:p14="http://schemas.microsoft.com/office/powerpoint/2010/main" val="681953682"/>
-      </p:ext>
-    </p:extLst>
-  </p:cSld>
-  <p:clrMapOvr>
-    <a:masterClrMapping/>
-  </p:clrMapOvr>
-</p:sld>
-</file>
-
-<file path=ppt/slides/slide6.xml><?xml version="1.0" encoding="utf-8"?>
-<p:sld xmlns:a="http://schemas.openxmlformats.org/drawingml/2006/main" xmlns:r="http://schemas.openxmlformats.org/officeDocument/2006/relationships" xmlns:p="http://schemas.openxmlformats.org/presentationml/2006/main">
-  <p:cSld>
-    <p:spTree>
-      <p:nvGrpSpPr>
-        <p:cNvPr id="1" name="">
-          <a:extLst>
-            <a:ext uri="{FF2B5EF4-FFF2-40B4-BE49-F238E27FC236}">
-              <a16:creationId xmlns:a16="http://schemas.microsoft.com/office/drawing/2014/main" id="{8C0D6147-6A6C-39AD-9622-AB2F0C1555DE}"/>
-            </a:ext>
-          </a:extLst>
-        </p:cNvPr>
-        <p:cNvGrpSpPr/>
-        <p:nvPr/>
-      </p:nvGrpSpPr>
-      <p:grpSpPr>
-        <a:xfrm>
-          <a:off x="0" y="0"/>
-          <a:ext cx="0" cy="0"/>
-          <a:chOff x="0" y="0"/>
-          <a:chExt cx="0" cy="0"/>
-        </a:xfrm>
-      </p:grpSpPr>
-      <p:sp>
-        <p:nvSpPr>
-          <p:cNvPr id="8" name="Rectangle 7">
-            <a:extLst>
-              <a:ext uri="{FF2B5EF4-FFF2-40B4-BE49-F238E27FC236}">
-                <a16:creationId xmlns:a16="http://schemas.microsoft.com/office/drawing/2014/main" id="{A1732FF2-FDD7-B4D1-C02B-DED91810F0B4}"/>
-              </a:ext>
-            </a:extLst>
-          </p:cNvPr>
-          <p:cNvSpPr/>
-          <p:nvPr/>
-        </p:nvSpPr>
-        <p:spPr>
-          <a:xfrm>
-            <a:off x="0" y="6167718"/>
-            <a:ext cx="12192000" cy="690282"/>
-          </a:xfrm>
-          <a:prstGeom prst="rect">
-            <a:avLst/>
-          </a:prstGeom>
-          <a:solidFill>
-            <a:srgbClr val="002576"/>
-          </a:solidFill>
-          <a:ln>
-            <a:noFill/>
-          </a:ln>
-        </p:spPr>
-        <p:style>
-          <a:lnRef idx="2">
-            <a:schemeClr val="accent1">
-              <a:shade val="50000"/>
-            </a:schemeClr>
-          </a:lnRef>
-          <a:fillRef idx="1">
-            <a:schemeClr val="accent1"/>
-          </a:fillRef>
-          <a:effectRef idx="0">
-            <a:schemeClr val="accent1"/>
-          </a:effectRef>
-          <a:fontRef idx="minor">
-            <a:schemeClr val="lt1"/>
-          </a:fontRef>
-        </p:style>
-        <p:txBody>
-          <a:bodyPr rtlCol="0" anchor="ctr"/>
-          <a:lstStyle/>
-          <a:p>
-            <a:pPr algn="ctr"/>
-            <a:endParaRPr lang="en-US"/>
-          </a:p>
-        </p:txBody>
-      </p:sp>
-      <p:sp>
-        <p:nvSpPr>
-          <p:cNvPr id="12" name="Slide Number Placeholder 11">
-            <a:extLst>
-              <a:ext uri="{FF2B5EF4-FFF2-40B4-BE49-F238E27FC236}">
-                <a16:creationId xmlns:a16="http://schemas.microsoft.com/office/drawing/2014/main" id="{A2E921EC-BD10-FCE0-BE8C-DA6139ACA286}"/>
-              </a:ext>
-            </a:extLst>
-          </p:cNvPr>
-          <p:cNvSpPr>
-            <a:spLocks noGrp="1"/>
-          </p:cNvSpPr>
-          <p:nvPr>
-            <p:ph type="sldNum" sz="quarter" idx="12"/>
-          </p:nvPr>
-        </p:nvSpPr>
-        <p:spPr/>
-        <p:txBody>
-          <a:bodyPr/>
-          <a:lstStyle/>
-          <a:p>
-            <a:fld id="{DE9038DE-E562-D147-AB1B-655D48BC2E74}" type="slidenum">
-              <a:rPr lang="en-US" smtClean="0">
-                <a:solidFill>
-                  <a:schemeClr val="bg1">
-                    <a:lumMod val="95000"/>
-                  </a:schemeClr>
-                </a:solidFill>
-                <a:latin typeface="Aptos" panose="020B0004020202020204" pitchFamily="34" charset="0"/>
-              </a:rPr>
-              <a:t>6</a:t>
-            </a:fld>
-            <a:endParaRPr lang="en-US" dirty="0">
-              <a:solidFill>
-                <a:schemeClr val="bg1">
-                  <a:lumMod val="95000"/>
-                </a:schemeClr>
-              </a:solidFill>
-              <a:latin typeface="Aptos" panose="020B0004020202020204" pitchFamily="34" charset="0"/>
-            </a:endParaRPr>
-          </a:p>
-        </p:txBody>
-      </p:sp>
-      <p:sp>
-        <p:nvSpPr>
-          <p:cNvPr id="4" name="Footer Placeholder 6">
-            <a:extLst>
-              <a:ext uri="{FF2B5EF4-FFF2-40B4-BE49-F238E27FC236}">
-                <a16:creationId xmlns:a16="http://schemas.microsoft.com/office/drawing/2014/main" id="{202AE9D7-C2B7-A97A-AD3E-F377A342B01C}"/>
-              </a:ext>
-            </a:extLst>
-          </p:cNvPr>
-          <p:cNvSpPr>
-            <a:spLocks noGrp="1"/>
-          </p:cNvSpPr>
-          <p:nvPr>
-            <p:ph type="ftr" sz="quarter" idx="11"/>
-          </p:nvPr>
-        </p:nvSpPr>
-        <p:spPr>
-          <a:xfrm>
-            <a:off x="3251201" y="6350000"/>
-            <a:ext cx="5689598" cy="365125"/>
-          </a:xfrm>
-        </p:spPr>
-        <p:txBody>
-          <a:bodyPr/>
-          <a:lstStyle/>
-          <a:p>
-            <a:r>
-              <a:rPr lang="en-US" sz="1400" dirty="0">
-                <a:solidFill>
-                  <a:schemeClr val="bg1"/>
-                </a:solidFill>
-                <a:latin typeface="Aptos" panose="020B0004020202020204" pitchFamily="34" charset="0"/>
-              </a:rPr>
-              <a:t>Introduction to Python for Structural Dynamics</a:t>
-            </a:r>
-          </a:p>
-        </p:txBody>
-      </p:sp>
-      <p:sp>
-        <p:nvSpPr>
-          <p:cNvPr id="6" name="TextBox 5">
-            <a:extLst>
-              <a:ext uri="{FF2B5EF4-FFF2-40B4-BE49-F238E27FC236}">
-                <a16:creationId xmlns:a16="http://schemas.microsoft.com/office/drawing/2014/main" id="{848FC380-94FA-EFEA-C8FB-1EEF6842D338}"/>
-              </a:ext>
-            </a:extLst>
-          </p:cNvPr>
-          <p:cNvSpPr txBox="1"/>
-          <p:nvPr/>
-        </p:nvSpPr>
-        <p:spPr>
-          <a:xfrm>
-            <a:off x="201505" y="159967"/>
-            <a:ext cx="11822427" cy="523220"/>
-          </a:xfrm>
-          <a:prstGeom prst="rect">
-            <a:avLst/>
-          </a:prstGeom>
-          <a:noFill/>
-        </p:spPr>
-        <p:txBody>
-          <a:bodyPr wrap="square" rtlCol="0">
-            <a:spAutoFit/>
-          </a:bodyPr>
-          <a:lstStyle/>
-          <a:p>
-            <a:r>
-              <a:rPr lang="en-US" sz="2800" dirty="0">
-                <a:solidFill>
-                  <a:srgbClr val="002476"/>
-                </a:solidFill>
-                <a:latin typeface="Aptos" panose="020B0004020202020204" pitchFamily="34" charset="0"/>
-                <a:ea typeface="Verdana" panose="020B0604030504040204" pitchFamily="34" charset="0"/>
-                <a:cs typeface="Arima Koshi" pitchFamily="2" charset="77"/>
-              </a:rPr>
-              <a:t>Introduction to python</a:t>
-            </a:r>
-          </a:p>
-        </p:txBody>
-      </p:sp>
-      <p:pic>
-        <p:nvPicPr>
-          <p:cNvPr id="2" name="Picture 1">
-            <a:extLst>
-              <a:ext uri="{FF2B5EF4-FFF2-40B4-BE49-F238E27FC236}">
-                <a16:creationId xmlns:a16="http://schemas.microsoft.com/office/drawing/2014/main" id="{EFD4BCE5-64D0-F0C5-8D91-050A2B07E05E}"/>
-              </a:ext>
-            </a:extLst>
-          </p:cNvPr>
-          <p:cNvPicPr>
-            <a:picLocks noChangeAspect="1"/>
-          </p:cNvPicPr>
-          <p:nvPr/>
-        </p:nvPicPr>
-        <p:blipFill>
-          <a:blip r:embed="rId3"/>
-          <a:srcRect l="14467" t="35652" r="13946" b="38221"/>
-          <a:stretch/>
-        </p:blipFill>
-        <p:spPr>
-          <a:xfrm>
-            <a:off x="398058" y="6285821"/>
-            <a:ext cx="1982656" cy="462637"/>
-          </a:xfrm>
-          <a:prstGeom prst="rect">
-            <a:avLst/>
-          </a:prstGeom>
-        </p:spPr>
-      </p:pic>
-      <p:sp>
-        <p:nvSpPr>
-          <p:cNvPr id="5" name="TextBox 4">
-            <a:extLst>
-              <a:ext uri="{FF2B5EF4-FFF2-40B4-BE49-F238E27FC236}">
-                <a16:creationId xmlns:a16="http://schemas.microsoft.com/office/drawing/2014/main" id="{A00602DA-F947-3997-FAC1-A293E50E8E8C}"/>
-              </a:ext>
-            </a:extLst>
-          </p:cNvPr>
-          <p:cNvSpPr txBox="1"/>
-          <p:nvPr/>
-        </p:nvSpPr>
-        <p:spPr>
-          <a:xfrm>
-            <a:off x="201505" y="689537"/>
-            <a:ext cx="11822427" cy="400110"/>
-          </a:xfrm>
-          <a:prstGeom prst="rect">
-            <a:avLst/>
-          </a:prstGeom>
-          <a:noFill/>
-        </p:spPr>
-        <p:txBody>
-          <a:bodyPr wrap="square" rtlCol="0">
-            <a:spAutoFit/>
-          </a:bodyPr>
-          <a:lstStyle/>
-          <a:p>
-            <a:r>
-              <a:rPr lang="en-US" sz="2000" dirty="0">
-                <a:solidFill>
-                  <a:srgbClr val="002476"/>
-                </a:solidFill>
-                <a:latin typeface="Aptos" panose="020B0004020202020204" pitchFamily="34" charset="0"/>
-                <a:ea typeface="Verdana" panose="020B0604030504040204" pitchFamily="34" charset="0"/>
-                <a:cs typeface="Arima Koshi" pitchFamily="2" charset="77"/>
-              </a:rPr>
-              <a:t>Example</a:t>
-            </a:r>
-            <a:endParaRPr lang="en-US" sz="2800" dirty="0">
-              <a:solidFill>
-                <a:srgbClr val="002476"/>
-              </a:solidFill>
-              <a:latin typeface="Aptos" panose="020B0004020202020204" pitchFamily="34" charset="0"/>
-              <a:ea typeface="Verdana" panose="020B0604030504040204" pitchFamily="34" charset="0"/>
-              <a:cs typeface="Arima Koshi" pitchFamily="2" charset="77"/>
-            </a:endParaRPr>
-          </a:p>
-        </p:txBody>
-      </p:sp>
-      <p:sp>
-        <p:nvSpPr>
-          <p:cNvPr id="11" name="TextBox 10">
-            <a:extLst>
-              <a:ext uri="{FF2B5EF4-FFF2-40B4-BE49-F238E27FC236}">
-                <a16:creationId xmlns:a16="http://schemas.microsoft.com/office/drawing/2014/main" id="{133ED618-DC20-02A2-2757-AC0D5D28F59C}"/>
-              </a:ext>
-            </a:extLst>
-          </p:cNvPr>
-          <p:cNvSpPr txBox="1"/>
-          <p:nvPr/>
-        </p:nvSpPr>
-        <p:spPr>
-          <a:xfrm>
-            <a:off x="201505" y="1095997"/>
-            <a:ext cx="11754061" cy="369332"/>
-          </a:xfrm>
-          <a:prstGeom prst="rect">
-            <a:avLst/>
-          </a:prstGeom>
-          <a:noFill/>
-        </p:spPr>
-        <p:txBody>
-          <a:bodyPr wrap="square" rtlCol="0">
-            <a:spAutoFit/>
-          </a:bodyPr>
-          <a:lstStyle/>
-          <a:p>
-            <a:r>
-              <a:rPr lang="en-US" dirty="0">
-                <a:latin typeface="Aptos" panose="020B0004020202020204" pitchFamily="34" charset="0"/>
-                <a:ea typeface="Verdana" panose="020B0604030504040204" pitchFamily="34" charset="0"/>
-                <a:cs typeface="Arima Koshi" pitchFamily="2" charset="77"/>
-              </a:rPr>
-              <a:t>Typically, I set up a </a:t>
-            </a:r>
-            <a:r>
-              <a:rPr lang="en-US" dirty="0" err="1">
-                <a:latin typeface="Aptos" panose="020B0004020202020204" pitchFamily="34" charset="0"/>
-                <a:ea typeface="Verdana" panose="020B0604030504040204" pitchFamily="34" charset="0"/>
-                <a:cs typeface="Arima Koshi" pitchFamily="2" charset="77"/>
-              </a:rPr>
-              <a:t>Jupyter</a:t>
-            </a:r>
-            <a:r>
-              <a:rPr lang="en-US" dirty="0">
-                <a:latin typeface="Aptos" panose="020B0004020202020204" pitchFamily="34" charset="0"/>
-                <a:ea typeface="Verdana" panose="020B0604030504040204" pitchFamily="34" charset="0"/>
-                <a:cs typeface="Arima Koshi" pitchFamily="2" charset="77"/>
-              </a:rPr>
-              <a:t> notebook with 4 cells:</a:t>
-            </a:r>
-          </a:p>
-        </p:txBody>
-      </p:sp>
-    </p:spTree>
-    <p:extLst>
-      <p:ext uri="{BB962C8B-B14F-4D97-AF65-F5344CB8AC3E}">
-        <p14:creationId xmlns:p14="http://schemas.microsoft.com/office/powerpoint/2010/main" val="3779790786"/>
       </p:ext>
     </p:extLst>
   </p:cSld>
